--- a/db.pptx
+++ b/db.pptx
@@ -7320,7 +7320,7 @@
           <a:p>
             <a:fld id="{16E5F246-0B7D-44DF-8C1B-EDFCA5DA626A}" type="datetimeFigureOut">
               <a:rPr lang="ru-RU" smtClean="0"/>
-              <a:t>04.02.2021</a:t>
+              <a:t>16.02.2021</a:t>
             </a:fld>
             <a:endParaRPr lang="ru-RU"/>
           </a:p>
@@ -16227,7 +16227,7 @@
             </a:r>
             <a:r>
               <a:rPr lang="en-US" baseline="0" dirty="0" smtClean="0"/>
-              <a:t>github.com/kontur-web-courses/web-api/blob/solved/Game/Domain/MongoUserRepositoty.cs</a:t>
+              <a:t>github.com/kontur-web-courses/db/blob/solved/Game/Domain/MongoUserRepositoty.cs</a:t>
             </a:r>
             <a:endParaRPr lang="ru-RU" baseline="0" dirty="0"/>
           </a:p>
@@ -36737,37 +36737,13 @@
             </a:r>
             <a:r>
               <a:rPr lang="ru-RU" dirty="0"/>
-              <a:t> – реализация логики приложения</a:t>
-            </a:r>
-          </a:p>
-          <a:p>
-            <a:pPr marL="457200" indent="-457200">
-              <a:buFont typeface="Arial" panose="020B0604020202020204" pitchFamily="34" charset="0"/>
-              <a:buChar char="•"/>
-            </a:pPr>
-            <a:r>
-              <a:rPr lang="en-US" dirty="0" err="1"/>
-              <a:t>WebApi</a:t>
-            </a:r>
-            <a:r>
-              <a:rPr lang="ru-RU" dirty="0"/>
-              <a:t> – </a:t>
-            </a:r>
-            <a:r>
-              <a:rPr lang="en-US" dirty="0"/>
-              <a:t>HTTP </a:t>
-            </a:r>
-            <a:r>
-              <a:rPr lang="en-US" dirty="0" err="1"/>
-              <a:t>Api</a:t>
-            </a:r>
-            <a:r>
-              <a:rPr lang="ru-RU" dirty="0"/>
-              <a:t>, которым будет пользоваться веб-приложение</a:t>
-            </a:r>
-          </a:p>
-          <a:p>
-            <a:endParaRPr lang="en-US" dirty="0"/>
+              <a:t> – реализация логики </a:t>
+            </a:r>
+            <a:r>
+              <a:rPr lang="ru-RU" dirty="0" smtClean="0"/>
+              <a:t>приложения</a:t>
+            </a:r>
+            <a:endParaRPr lang="ru-RU" dirty="0"/>
           </a:p>
         </p:txBody>
       </p:sp>
@@ -36956,33 +36932,15 @@
           <a:p>
             <a:pPr algn="ctr"/>
             <a:r>
-              <a:rPr lang="en-US" sz="2600" dirty="0">
+              <a:rPr lang="en-US" sz="2400" dirty="0" smtClean="0">
                 <a:hlinkClick r:id="rId2"/>
               </a:rPr>
-              <a:t>https://</a:t>
-            </a:r>
-            <a:r>
-              <a:rPr lang="en-US" sz="2600" dirty="0" smtClean="0">
-                <a:hlinkClick r:id="rId2"/>
-              </a:rPr>
-              <a:t>github.com/kontur-web-courses/web-api/</a:t>
-            </a:r>
-            <a:r>
-              <a:rPr lang="en-US" sz="2600" b="1" dirty="0" smtClean="0">
-                <a:hlinkClick r:id="rId2"/>
-              </a:rPr>
-              <a:t>README</a:t>
-            </a:r>
-            <a:r>
-              <a:rPr lang="en-US" sz="2600" b="1" dirty="0" smtClean="0">
-                <a:hlinkClick r:id="rId2"/>
-              </a:rPr>
-              <a:t>.md</a:t>
-            </a:r>
-            <a:endParaRPr lang="en-US" sz="2600" b="1" dirty="0"/>
-          </a:p>
-          <a:p>
-            <a:endParaRPr lang="en-US" dirty="0"/>
+              <a:t>https://github.com/kontur-web-courses/db/blob/main/README.md</a:t>
+            </a:r>
+            <a:endParaRPr lang="en-US" sz="2400" b="1" dirty="0"/>
+          </a:p>
+          <a:p>
+            <a:endParaRPr lang="en-US" sz="2800" dirty="0"/>
           </a:p>
         </p:txBody>
       </p:sp>

--- a/db.pptx
+++ b/db.pptx
@@ -7328,7 +7328,7 @@
           <a:p>
             <a:fld id="{16E5F246-0B7D-44DF-8C1B-EDFCA5DA626A}" type="datetimeFigureOut">
               <a:rPr lang="ru-RU" smtClean="0"/>
-              <a:t>14.04.2021</a:t>
+              <a:t>15.04.2021</a:t>
             </a:fld>
             <a:endParaRPr lang="ru-RU"/>
           </a:p>
@@ -17376,12 +17376,12 @@
               <a:t> </a:t>
             </a:r>
             <a:r>
-              <a:rPr lang="ru-RU" baseline="0" dirty="0" err="1"/>
-              <a:t>обзначает</a:t>
+              <a:rPr lang="ru-RU" baseline="0" dirty="0" smtClean="0"/>
+              <a:t>сейчас переводят не как </a:t>
             </a:r>
             <a:r>
               <a:rPr lang="ru-RU" baseline="0" dirty="0"/>
-              <a:t> не «Не SQL», а «</a:t>
+              <a:t>«Не SQL», а «</a:t>
             </a:r>
             <a:r>
               <a:rPr lang="ru-RU" baseline="0" dirty="0" err="1"/>
@@ -21782,23 +21782,58 @@
           <a:p>
             <a:pPr marL="1200095" lvl="1" indent="-457200"/>
             <a:r>
-              <a:rPr lang="ru-RU" dirty="0"/>
+              <a:rPr lang="ru-RU" dirty="0" smtClean="0"/>
               <a:t>Документные</a:t>
             </a:r>
+            <a:r>
+              <a:rPr lang="en-US" dirty="0" smtClean="0"/>
+              <a:t>: MongoDB)</a:t>
+            </a:r>
+            <a:endParaRPr lang="ru-RU" dirty="0"/>
           </a:p>
           <a:p>
             <a:pPr marL="1200095" lvl="1" indent="-457200"/>
             <a:r>
-              <a:rPr lang="ru-RU" dirty="0"/>
+              <a:rPr lang="ru-RU" dirty="0" smtClean="0"/>
               <a:t>Колоночные</a:t>
             </a:r>
+            <a:r>
+              <a:rPr lang="en-US" dirty="0" smtClean="0"/>
+              <a:t>: </a:t>
+            </a:r>
+            <a:r>
+              <a:rPr lang="en-US" dirty="0" err="1" smtClean="0"/>
+              <a:t>HBase</a:t>
+            </a:r>
+            <a:r>
+              <a:rPr lang="en-US" dirty="0" smtClean="0"/>
+              <a:t>, Cassandra</a:t>
+            </a:r>
+            <a:endParaRPr lang="ru-RU" dirty="0"/>
           </a:p>
           <a:p>
             <a:pPr marL="1200095" lvl="1" indent="-457200"/>
             <a:r>
-              <a:rPr lang="ru-RU" dirty="0"/>
+              <a:rPr lang="ru-RU" dirty="0" smtClean="0"/>
               <a:t>Ключ-значение</a:t>
             </a:r>
+            <a:r>
+              <a:rPr lang="en-US" dirty="0" smtClean="0"/>
+              <a:t>: </a:t>
+            </a:r>
+            <a:r>
+              <a:rPr lang="en-US" dirty="0" smtClean="0"/>
+              <a:t>Amazon </a:t>
+            </a:r>
+            <a:r>
+              <a:rPr lang="en-US" dirty="0" err="1" smtClean="0"/>
+              <a:t>DynamoDB</a:t>
+            </a:r>
+            <a:r>
+              <a:rPr lang="en-US" dirty="0" smtClean="0"/>
+              <a:t>)</a:t>
+            </a:r>
+            <a:endParaRPr lang="ru-RU" dirty="0"/>
           </a:p>
         </p:txBody>
       </p:sp>
@@ -23109,9 +23144,6 @@
               </a:rPr>
               <a:t> == Id)?.Group = "B";</a:t>
             </a:r>
-            <a:endParaRPr lang="en-US" sz="2400" dirty="0">
-              <a:latin typeface="Consolas" panose="020B0609020204030204" pitchFamily="49" charset="0"/>
-            </a:endParaRPr>
           </a:p>
         </p:txBody>
       </p:sp>
@@ -24067,579 +24099,565 @@
           </a:p>
         </p:txBody>
       </p:sp>
-      <p:grpSp>
-        <p:nvGrpSpPr>
-          <p:cNvPr id="48" name="Группа 47"/>
-          <p:cNvGrpSpPr/>
+      <p:cxnSp>
+        <p:nvCxnSpPr>
+          <p:cNvPr id="10" name="Прямая соединительная линия 9"/>
+          <p:cNvCxnSpPr>
+            <a:stCxn id="4" idx="3"/>
+            <a:endCxn id="5" idx="0"/>
+          </p:cNvCxnSpPr>
           <p:nvPr/>
-        </p:nvGrpSpPr>
-        <p:grpSpPr>
+        </p:nvCxnSpPr>
+        <p:spPr>
+          <a:xfrm flipH="1">
+            <a:off x="4907868" y="3571207"/>
+            <a:ext cx="829901" cy="700641"/>
+          </a:xfrm>
+          <a:prstGeom prst="line">
+            <a:avLst/>
+          </a:prstGeom>
+          <a:ln/>
+        </p:spPr>
+        <p:style>
+          <a:lnRef idx="2">
+            <a:schemeClr val="accent2">
+              <a:shade val="50000"/>
+            </a:schemeClr>
+          </a:lnRef>
+          <a:fillRef idx="1">
+            <a:schemeClr val="accent2"/>
+          </a:fillRef>
+          <a:effectRef idx="0">
+            <a:schemeClr val="accent2"/>
+          </a:effectRef>
+          <a:fontRef idx="minor">
+            <a:schemeClr val="lt1"/>
+          </a:fontRef>
+        </p:style>
+      </p:cxnSp>
+      <p:cxnSp>
+        <p:nvCxnSpPr>
+          <p:cNvPr id="16" name="Прямая соединительная линия 15"/>
+          <p:cNvCxnSpPr>
+            <a:stCxn id="5" idx="4"/>
+            <a:endCxn id="6" idx="1"/>
+          </p:cNvCxnSpPr>
+          <p:nvPr/>
+        </p:nvCxnSpPr>
+        <p:spPr>
           <a:xfrm>
-            <a:off x="4655840" y="3140968"/>
-            <a:ext cx="2880320" cy="2839839"/>
-            <a:chOff x="4187788" y="3140968"/>
-            <a:chExt cx="2880320" cy="2839839"/>
+            <a:off x="4907868" y="4775904"/>
+            <a:ext cx="829901" cy="774664"/>
           </a:xfrm>
-        </p:grpSpPr>
-        <p:cxnSp>
-          <p:nvCxnSpPr>
-            <p:cNvPr id="10" name="Прямая соединительная линия 9"/>
-            <p:cNvCxnSpPr>
-              <a:stCxn id="4" idx="3"/>
-              <a:endCxn id="5" idx="0"/>
-            </p:cNvCxnSpPr>
-            <p:nvPr/>
-          </p:nvCxnSpPr>
-          <p:spPr>
-            <a:xfrm flipH="1">
-              <a:off x="4439816" y="3571207"/>
-              <a:ext cx="829901" cy="700641"/>
-            </a:xfrm>
-            <a:prstGeom prst="line">
-              <a:avLst/>
-            </a:prstGeom>
-            <a:ln/>
-          </p:spPr>
-          <p:style>
-            <a:lnRef idx="2">
-              <a:schemeClr val="accent2">
-                <a:shade val="50000"/>
-              </a:schemeClr>
-            </a:lnRef>
-            <a:fillRef idx="1">
-              <a:schemeClr val="accent2"/>
-            </a:fillRef>
-            <a:effectRef idx="0">
-              <a:schemeClr val="accent2"/>
-            </a:effectRef>
-            <a:fontRef idx="minor">
-              <a:schemeClr val="lt1"/>
-            </a:fontRef>
-          </p:style>
-        </p:cxnSp>
-        <p:cxnSp>
-          <p:nvCxnSpPr>
-            <p:cNvPr id="16" name="Прямая соединительная линия 15"/>
-            <p:cNvCxnSpPr>
-              <a:stCxn id="5" idx="4"/>
-              <a:endCxn id="6" idx="1"/>
-            </p:cNvCxnSpPr>
-            <p:nvPr/>
-          </p:nvCxnSpPr>
-          <p:spPr>
-            <a:xfrm>
-              <a:off x="4439816" y="4775904"/>
-              <a:ext cx="829901" cy="774664"/>
-            </a:xfrm>
-            <a:prstGeom prst="line">
-              <a:avLst/>
-            </a:prstGeom>
-            <a:ln/>
-          </p:spPr>
-          <p:style>
-            <a:lnRef idx="2">
-              <a:schemeClr val="accent2">
-                <a:shade val="50000"/>
-              </a:schemeClr>
-            </a:lnRef>
-            <a:fillRef idx="1">
-              <a:schemeClr val="accent2"/>
-            </a:fillRef>
-            <a:effectRef idx="0">
-              <a:schemeClr val="accent2"/>
-            </a:effectRef>
-            <a:fontRef idx="minor">
-              <a:schemeClr val="lt1"/>
-            </a:fontRef>
-          </p:style>
-        </p:cxnSp>
-        <p:cxnSp>
-          <p:nvCxnSpPr>
-            <p:cNvPr id="25" name="Прямая соединительная линия 24"/>
-            <p:cNvCxnSpPr>
-              <a:stCxn id="7" idx="1"/>
-              <a:endCxn id="4" idx="6"/>
-            </p:cNvCxnSpPr>
-            <p:nvPr/>
-          </p:nvCxnSpPr>
-          <p:spPr>
-            <a:xfrm flipH="1" flipV="1">
-              <a:off x="5699956" y="3392996"/>
-              <a:ext cx="937913" cy="448613"/>
-            </a:xfrm>
-            <a:prstGeom prst="line">
-              <a:avLst/>
-            </a:prstGeom>
-            <a:ln/>
-          </p:spPr>
-          <p:style>
-            <a:lnRef idx="2">
-              <a:schemeClr val="accent2">
-                <a:shade val="50000"/>
-              </a:schemeClr>
-            </a:lnRef>
-            <a:fillRef idx="1">
-              <a:schemeClr val="accent2"/>
-            </a:fillRef>
-            <a:effectRef idx="0">
-              <a:schemeClr val="accent2"/>
-            </a:effectRef>
-            <a:fontRef idx="minor">
-              <a:schemeClr val="lt1"/>
-            </a:fontRef>
-          </p:style>
-        </p:cxnSp>
-        <p:cxnSp>
-          <p:nvCxnSpPr>
-            <p:cNvPr id="29" name="Прямая соединительная линия 28"/>
-            <p:cNvCxnSpPr>
-              <a:stCxn id="7" idx="4"/>
-              <a:endCxn id="8" idx="0"/>
-            </p:cNvCxnSpPr>
-            <p:nvPr/>
-          </p:nvCxnSpPr>
-          <p:spPr>
-            <a:xfrm>
-              <a:off x="6816080" y="4271848"/>
-              <a:ext cx="0" cy="606644"/>
-            </a:xfrm>
-            <a:prstGeom prst="line">
-              <a:avLst/>
-            </a:prstGeom>
-            <a:ln/>
-          </p:spPr>
-          <p:style>
-            <a:lnRef idx="2">
-              <a:schemeClr val="accent2">
-                <a:shade val="50000"/>
-              </a:schemeClr>
-            </a:lnRef>
-            <a:fillRef idx="1">
-              <a:schemeClr val="accent2"/>
-            </a:fillRef>
-            <a:effectRef idx="0">
-              <a:schemeClr val="accent2"/>
-            </a:effectRef>
-            <a:fontRef idx="minor">
-              <a:schemeClr val="lt1"/>
-            </a:fontRef>
-          </p:style>
-        </p:cxnSp>
-        <p:cxnSp>
-          <p:nvCxnSpPr>
-            <p:cNvPr id="32" name="Прямая соединительная линия 31"/>
-            <p:cNvCxnSpPr>
-              <a:endCxn id="6" idx="6"/>
-            </p:cNvCxnSpPr>
-            <p:nvPr/>
-          </p:nvCxnSpPr>
-          <p:spPr>
-            <a:xfrm flipH="1">
-              <a:off x="5699956" y="5269702"/>
-              <a:ext cx="864096" cy="459077"/>
-            </a:xfrm>
-            <a:prstGeom prst="line">
-              <a:avLst/>
-            </a:prstGeom>
-            <a:ln/>
-          </p:spPr>
-          <p:style>
-            <a:lnRef idx="2">
-              <a:schemeClr val="accent2">
-                <a:shade val="50000"/>
-              </a:schemeClr>
-            </a:lnRef>
-            <a:fillRef idx="1">
-              <a:schemeClr val="accent2"/>
-            </a:fillRef>
-            <a:effectRef idx="0">
-              <a:schemeClr val="accent2"/>
-            </a:effectRef>
-            <a:fontRef idx="minor">
-              <a:schemeClr val="lt1"/>
-            </a:fontRef>
-          </p:style>
-        </p:cxnSp>
-        <p:cxnSp>
-          <p:nvCxnSpPr>
-            <p:cNvPr id="39" name="Прямая соединительная линия 38"/>
-            <p:cNvCxnSpPr>
-              <a:stCxn id="7" idx="3"/>
-              <a:endCxn id="6" idx="7"/>
-            </p:cNvCxnSpPr>
-            <p:nvPr/>
-          </p:nvCxnSpPr>
-          <p:spPr>
-            <a:xfrm flipH="1">
-              <a:off x="5626139" y="4198031"/>
-              <a:ext cx="1011730" cy="1352537"/>
-            </a:xfrm>
-            <a:prstGeom prst="line">
-              <a:avLst/>
-            </a:prstGeom>
-            <a:ln/>
-          </p:spPr>
-          <p:style>
-            <a:lnRef idx="2">
-              <a:schemeClr val="accent2">
-                <a:shade val="50000"/>
-              </a:schemeClr>
-            </a:lnRef>
-            <a:fillRef idx="1">
-              <a:schemeClr val="accent2"/>
-            </a:fillRef>
-            <a:effectRef idx="0">
-              <a:schemeClr val="accent2"/>
-            </a:effectRef>
-            <a:fontRef idx="minor">
-              <a:schemeClr val="lt1"/>
-            </a:fontRef>
-          </p:style>
-        </p:cxnSp>
-        <p:cxnSp>
-          <p:nvCxnSpPr>
-            <p:cNvPr id="42" name="Прямая соединительная линия 41"/>
-            <p:cNvCxnSpPr>
-              <a:stCxn id="4" idx="5"/>
-              <a:endCxn id="8" idx="1"/>
-            </p:cNvCxnSpPr>
-            <p:nvPr/>
-          </p:nvCxnSpPr>
-          <p:spPr>
-            <a:xfrm>
-              <a:off x="5626139" y="3571207"/>
-              <a:ext cx="1011730" cy="1381102"/>
-            </a:xfrm>
-            <a:prstGeom prst="line">
-              <a:avLst/>
-            </a:prstGeom>
-            <a:ln/>
-          </p:spPr>
-          <p:style>
-            <a:lnRef idx="2">
-              <a:schemeClr val="accent2">
-                <a:shade val="50000"/>
-              </a:schemeClr>
-            </a:lnRef>
-            <a:fillRef idx="1">
-              <a:schemeClr val="accent2"/>
-            </a:fillRef>
-            <a:effectRef idx="0">
-              <a:schemeClr val="accent2"/>
-            </a:effectRef>
-            <a:fontRef idx="minor">
-              <a:schemeClr val="lt1"/>
-            </a:fontRef>
-          </p:style>
-        </p:cxnSp>
-        <p:cxnSp>
-          <p:nvCxnSpPr>
-            <p:cNvPr id="45" name="Прямая соединительная линия 44"/>
-            <p:cNvCxnSpPr>
-              <a:stCxn id="4" idx="4"/>
-              <a:endCxn id="6" idx="0"/>
-            </p:cNvCxnSpPr>
-            <p:nvPr/>
-          </p:nvCxnSpPr>
-          <p:spPr>
-            <a:xfrm>
-              <a:off x="5447928" y="3645024"/>
-              <a:ext cx="0" cy="1831727"/>
-            </a:xfrm>
-            <a:prstGeom prst="line">
-              <a:avLst/>
-            </a:prstGeom>
-            <a:ln/>
-          </p:spPr>
-          <p:style>
-            <a:lnRef idx="2">
-              <a:schemeClr val="accent2">
-                <a:shade val="50000"/>
-              </a:schemeClr>
-            </a:lnRef>
-            <a:fillRef idx="1">
-              <a:schemeClr val="accent2"/>
-            </a:fillRef>
-            <a:effectRef idx="0">
-              <a:schemeClr val="accent2"/>
-            </a:effectRef>
-            <a:fontRef idx="minor">
-              <a:schemeClr val="lt1"/>
-            </a:fontRef>
-          </p:style>
-        </p:cxnSp>
-        <p:sp>
-          <p:nvSpPr>
-            <p:cNvPr id="4" name="Овал 3"/>
-            <p:cNvSpPr/>
-            <p:nvPr/>
-          </p:nvSpPr>
-          <p:spPr>
-            <a:xfrm>
-              <a:off x="5195900" y="3140968"/>
-              <a:ext cx="504056" cy="504056"/>
-            </a:xfrm>
-            <a:prstGeom prst="ellipse">
-              <a:avLst/>
-            </a:prstGeom>
-          </p:spPr>
-          <p:style>
-            <a:lnRef idx="2">
-              <a:schemeClr val="accent2">
-                <a:shade val="50000"/>
-              </a:schemeClr>
-            </a:lnRef>
-            <a:fillRef idx="1">
-              <a:schemeClr val="accent2"/>
-            </a:fillRef>
-            <a:effectRef idx="0">
-              <a:schemeClr val="accent2"/>
-            </a:effectRef>
-            <a:fontRef idx="minor">
-              <a:schemeClr val="lt1"/>
-            </a:fontRef>
-          </p:style>
-          <p:txBody>
-            <a:bodyPr rtlCol="0" anchor="ctr"/>
-            <a:lstStyle/>
-            <a:p>
-              <a:pPr algn="ctr"/>
-              <a:endParaRPr lang="ru-RU"/>
-            </a:p>
-          </p:txBody>
-        </p:sp>
-        <p:sp>
-          <p:nvSpPr>
-            <p:cNvPr id="5" name="Овал 4"/>
-            <p:cNvSpPr/>
-            <p:nvPr/>
-          </p:nvSpPr>
-          <p:spPr>
-            <a:xfrm>
-              <a:off x="4187788" y="4271848"/>
-              <a:ext cx="504056" cy="504056"/>
-            </a:xfrm>
-            <a:prstGeom prst="ellipse">
-              <a:avLst/>
-            </a:prstGeom>
-          </p:spPr>
-          <p:style>
-            <a:lnRef idx="2">
-              <a:schemeClr val="accent2">
-                <a:shade val="50000"/>
-              </a:schemeClr>
-            </a:lnRef>
-            <a:fillRef idx="1">
-              <a:schemeClr val="accent2"/>
-            </a:fillRef>
-            <a:effectRef idx="0">
-              <a:schemeClr val="accent2"/>
-            </a:effectRef>
-            <a:fontRef idx="minor">
-              <a:schemeClr val="lt1"/>
-            </a:fontRef>
-          </p:style>
-          <p:txBody>
-            <a:bodyPr rtlCol="0" anchor="ctr"/>
-            <a:lstStyle/>
-            <a:p>
-              <a:pPr algn="ctr"/>
-              <a:endParaRPr lang="ru-RU"/>
-            </a:p>
-          </p:txBody>
-        </p:sp>
-        <p:sp>
-          <p:nvSpPr>
-            <p:cNvPr id="6" name="Овал 5"/>
-            <p:cNvSpPr/>
-            <p:nvPr/>
-          </p:nvSpPr>
-          <p:spPr>
-            <a:xfrm>
-              <a:off x="5195900" y="5476751"/>
-              <a:ext cx="504056" cy="504056"/>
-            </a:xfrm>
-            <a:prstGeom prst="ellipse">
-              <a:avLst/>
-            </a:prstGeom>
-          </p:spPr>
-          <p:style>
-            <a:lnRef idx="2">
-              <a:schemeClr val="accent2">
-                <a:shade val="50000"/>
-              </a:schemeClr>
-            </a:lnRef>
-            <a:fillRef idx="1">
-              <a:schemeClr val="accent2"/>
-            </a:fillRef>
-            <a:effectRef idx="0">
-              <a:schemeClr val="accent2"/>
-            </a:effectRef>
-            <a:fontRef idx="minor">
-              <a:schemeClr val="lt1"/>
-            </a:fontRef>
-          </p:style>
-          <p:txBody>
-            <a:bodyPr rtlCol="0" anchor="ctr"/>
-            <a:lstStyle/>
-            <a:p>
-              <a:pPr algn="ctr"/>
-              <a:endParaRPr lang="ru-RU"/>
-            </a:p>
-          </p:txBody>
-        </p:sp>
-        <p:sp>
-          <p:nvSpPr>
-            <p:cNvPr id="7" name="Овал 6"/>
-            <p:cNvSpPr/>
-            <p:nvPr/>
-          </p:nvSpPr>
-          <p:spPr>
-            <a:xfrm>
-              <a:off x="6564052" y="3767792"/>
-              <a:ext cx="504056" cy="504056"/>
-            </a:xfrm>
-            <a:prstGeom prst="ellipse">
-              <a:avLst/>
-            </a:prstGeom>
-          </p:spPr>
-          <p:style>
-            <a:lnRef idx="2">
-              <a:schemeClr val="accent2">
-                <a:shade val="50000"/>
-              </a:schemeClr>
-            </a:lnRef>
-            <a:fillRef idx="1">
-              <a:schemeClr val="accent2"/>
-            </a:fillRef>
-            <a:effectRef idx="0">
-              <a:schemeClr val="accent2"/>
-            </a:effectRef>
-            <a:fontRef idx="minor">
-              <a:schemeClr val="lt1"/>
-            </a:fontRef>
-          </p:style>
-          <p:txBody>
-            <a:bodyPr rtlCol="0" anchor="ctr"/>
-            <a:lstStyle/>
-            <a:p>
-              <a:pPr algn="ctr"/>
-              <a:endParaRPr lang="ru-RU"/>
-            </a:p>
-          </p:txBody>
-        </p:sp>
-        <p:sp>
-          <p:nvSpPr>
-            <p:cNvPr id="8" name="Овал 7"/>
-            <p:cNvSpPr/>
-            <p:nvPr/>
-          </p:nvSpPr>
-          <p:spPr>
-            <a:xfrm>
-              <a:off x="6564052" y="4878492"/>
-              <a:ext cx="504056" cy="504056"/>
-            </a:xfrm>
-            <a:prstGeom prst="ellipse">
-              <a:avLst/>
-            </a:prstGeom>
-          </p:spPr>
-          <p:style>
-            <a:lnRef idx="2">
-              <a:schemeClr val="accent2">
-                <a:shade val="50000"/>
-              </a:schemeClr>
-            </a:lnRef>
-            <a:fillRef idx="1">
-              <a:schemeClr val="accent2"/>
-            </a:fillRef>
-            <a:effectRef idx="0">
-              <a:schemeClr val="accent2"/>
-            </a:effectRef>
-            <a:fontRef idx="minor">
-              <a:schemeClr val="lt1"/>
-            </a:fontRef>
-          </p:style>
-          <p:txBody>
-            <a:bodyPr rtlCol="0" anchor="ctr"/>
-            <a:lstStyle/>
-            <a:p>
-              <a:pPr algn="ctr"/>
-              <a:endParaRPr lang="ru-RU"/>
-            </a:p>
-          </p:txBody>
-        </p:sp>
-        <p:cxnSp>
-          <p:nvCxnSpPr>
-            <p:cNvPr id="19" name="Прямая соединительная линия 18"/>
-            <p:cNvCxnSpPr>
-              <a:stCxn id="7" idx="2"/>
-              <a:endCxn id="5" idx="7"/>
-            </p:cNvCxnSpPr>
-            <p:nvPr/>
-          </p:nvCxnSpPr>
-          <p:spPr>
-            <a:xfrm flipH="1">
-              <a:off x="4618027" y="4019820"/>
-              <a:ext cx="1946025" cy="325845"/>
-            </a:xfrm>
-            <a:prstGeom prst="line">
-              <a:avLst/>
-            </a:prstGeom>
-            <a:ln/>
-          </p:spPr>
-          <p:style>
-            <a:lnRef idx="2">
-              <a:schemeClr val="accent2">
-                <a:shade val="50000"/>
-              </a:schemeClr>
-            </a:lnRef>
-            <a:fillRef idx="1">
-              <a:schemeClr val="accent2"/>
-            </a:fillRef>
-            <a:effectRef idx="0">
-              <a:schemeClr val="accent2"/>
-            </a:effectRef>
-            <a:fontRef idx="minor">
-              <a:schemeClr val="lt1"/>
-            </a:fontRef>
-          </p:style>
-        </p:cxnSp>
-        <p:cxnSp>
-          <p:nvCxnSpPr>
-            <p:cNvPr id="22" name="Прямая соединительная линия 21"/>
-            <p:cNvCxnSpPr>
-              <a:endCxn id="5" idx="5"/>
-            </p:cNvCxnSpPr>
-            <p:nvPr/>
-          </p:nvCxnSpPr>
-          <p:spPr>
-            <a:xfrm flipH="1" flipV="1">
-              <a:off x="4618027" y="4702087"/>
-              <a:ext cx="1946027" cy="302421"/>
-            </a:xfrm>
-            <a:prstGeom prst="line">
-              <a:avLst/>
-            </a:prstGeom>
-            <a:ln/>
-          </p:spPr>
-          <p:style>
-            <a:lnRef idx="2">
-              <a:schemeClr val="accent2">
-                <a:shade val="50000"/>
-              </a:schemeClr>
-            </a:lnRef>
-            <a:fillRef idx="1">
-              <a:schemeClr val="accent2"/>
-            </a:fillRef>
-            <a:effectRef idx="0">
-              <a:schemeClr val="accent2"/>
-            </a:effectRef>
-            <a:fontRef idx="minor">
-              <a:schemeClr val="lt1"/>
-            </a:fontRef>
-          </p:style>
-        </p:cxnSp>
-      </p:grpSp>
+          <a:prstGeom prst="line">
+            <a:avLst/>
+          </a:prstGeom>
+          <a:ln/>
+        </p:spPr>
+        <p:style>
+          <a:lnRef idx="2">
+            <a:schemeClr val="accent2">
+              <a:shade val="50000"/>
+            </a:schemeClr>
+          </a:lnRef>
+          <a:fillRef idx="1">
+            <a:schemeClr val="accent2"/>
+          </a:fillRef>
+          <a:effectRef idx="0">
+            <a:schemeClr val="accent2"/>
+          </a:effectRef>
+          <a:fontRef idx="minor">
+            <a:schemeClr val="lt1"/>
+          </a:fontRef>
+        </p:style>
+      </p:cxnSp>
+      <p:cxnSp>
+        <p:nvCxnSpPr>
+          <p:cNvPr id="25" name="Прямая соединительная линия 24"/>
+          <p:cNvCxnSpPr>
+            <a:stCxn id="7" idx="1"/>
+            <a:endCxn id="4" idx="6"/>
+          </p:cNvCxnSpPr>
+          <p:nvPr/>
+        </p:nvCxnSpPr>
+        <p:spPr>
+          <a:xfrm flipH="1" flipV="1">
+            <a:off x="6168008" y="3392996"/>
+            <a:ext cx="937913" cy="448613"/>
+          </a:xfrm>
+          <a:prstGeom prst="line">
+            <a:avLst/>
+          </a:prstGeom>
+          <a:ln/>
+        </p:spPr>
+        <p:style>
+          <a:lnRef idx="2">
+            <a:schemeClr val="accent2">
+              <a:shade val="50000"/>
+            </a:schemeClr>
+          </a:lnRef>
+          <a:fillRef idx="1">
+            <a:schemeClr val="accent2"/>
+          </a:fillRef>
+          <a:effectRef idx="0">
+            <a:schemeClr val="accent2"/>
+          </a:effectRef>
+          <a:fontRef idx="minor">
+            <a:schemeClr val="lt1"/>
+          </a:fontRef>
+        </p:style>
+      </p:cxnSp>
+      <p:cxnSp>
+        <p:nvCxnSpPr>
+          <p:cNvPr id="29" name="Прямая соединительная линия 28"/>
+          <p:cNvCxnSpPr>
+            <a:stCxn id="7" idx="4"/>
+            <a:endCxn id="8" idx="0"/>
+          </p:cNvCxnSpPr>
+          <p:nvPr/>
+        </p:nvCxnSpPr>
+        <p:spPr>
+          <a:xfrm>
+            <a:off x="7284132" y="4271848"/>
+            <a:ext cx="0" cy="606644"/>
+          </a:xfrm>
+          <a:prstGeom prst="line">
+            <a:avLst/>
+          </a:prstGeom>
+          <a:ln/>
+        </p:spPr>
+        <p:style>
+          <a:lnRef idx="2">
+            <a:schemeClr val="accent2">
+              <a:shade val="50000"/>
+            </a:schemeClr>
+          </a:lnRef>
+          <a:fillRef idx="1">
+            <a:schemeClr val="accent2"/>
+          </a:fillRef>
+          <a:effectRef idx="0">
+            <a:schemeClr val="accent2"/>
+          </a:effectRef>
+          <a:fontRef idx="minor">
+            <a:schemeClr val="lt1"/>
+          </a:fontRef>
+        </p:style>
+      </p:cxnSp>
+      <p:cxnSp>
+        <p:nvCxnSpPr>
+          <p:cNvPr id="32" name="Прямая соединительная линия 31"/>
+          <p:cNvCxnSpPr>
+            <a:endCxn id="6" idx="6"/>
+          </p:cNvCxnSpPr>
+          <p:nvPr/>
+        </p:nvCxnSpPr>
+        <p:spPr>
+          <a:xfrm flipH="1">
+            <a:off x="6168008" y="5269702"/>
+            <a:ext cx="864096" cy="459077"/>
+          </a:xfrm>
+          <a:prstGeom prst="line">
+            <a:avLst/>
+          </a:prstGeom>
+          <a:ln/>
+        </p:spPr>
+        <p:style>
+          <a:lnRef idx="2">
+            <a:schemeClr val="accent2">
+              <a:shade val="50000"/>
+            </a:schemeClr>
+          </a:lnRef>
+          <a:fillRef idx="1">
+            <a:schemeClr val="accent2"/>
+          </a:fillRef>
+          <a:effectRef idx="0">
+            <a:schemeClr val="accent2"/>
+          </a:effectRef>
+          <a:fontRef idx="minor">
+            <a:schemeClr val="lt1"/>
+          </a:fontRef>
+        </p:style>
+      </p:cxnSp>
+      <p:cxnSp>
+        <p:nvCxnSpPr>
+          <p:cNvPr id="39" name="Прямая соединительная линия 38"/>
+          <p:cNvCxnSpPr>
+            <a:stCxn id="7" idx="3"/>
+            <a:endCxn id="6" idx="7"/>
+          </p:cNvCxnSpPr>
+          <p:nvPr/>
+        </p:nvCxnSpPr>
+        <p:spPr>
+          <a:xfrm flipH="1">
+            <a:off x="6094191" y="4198031"/>
+            <a:ext cx="1011730" cy="1352537"/>
+          </a:xfrm>
+          <a:prstGeom prst="line">
+            <a:avLst/>
+          </a:prstGeom>
+          <a:ln/>
+        </p:spPr>
+        <p:style>
+          <a:lnRef idx="2">
+            <a:schemeClr val="accent2">
+              <a:shade val="50000"/>
+            </a:schemeClr>
+          </a:lnRef>
+          <a:fillRef idx="1">
+            <a:schemeClr val="accent2"/>
+          </a:fillRef>
+          <a:effectRef idx="0">
+            <a:schemeClr val="accent2"/>
+          </a:effectRef>
+          <a:fontRef idx="minor">
+            <a:schemeClr val="lt1"/>
+          </a:fontRef>
+        </p:style>
+      </p:cxnSp>
+      <p:cxnSp>
+        <p:nvCxnSpPr>
+          <p:cNvPr id="42" name="Прямая соединительная линия 41"/>
+          <p:cNvCxnSpPr>
+            <a:stCxn id="4" idx="5"/>
+            <a:endCxn id="8" idx="1"/>
+          </p:cNvCxnSpPr>
+          <p:nvPr/>
+        </p:nvCxnSpPr>
+        <p:spPr>
+          <a:xfrm>
+            <a:off x="6094191" y="3571207"/>
+            <a:ext cx="1011730" cy="1381102"/>
+          </a:xfrm>
+          <a:prstGeom prst="line">
+            <a:avLst/>
+          </a:prstGeom>
+          <a:ln/>
+        </p:spPr>
+        <p:style>
+          <a:lnRef idx="2">
+            <a:schemeClr val="accent2">
+              <a:shade val="50000"/>
+            </a:schemeClr>
+          </a:lnRef>
+          <a:fillRef idx="1">
+            <a:schemeClr val="accent2"/>
+          </a:fillRef>
+          <a:effectRef idx="0">
+            <a:schemeClr val="accent2"/>
+          </a:effectRef>
+          <a:fontRef idx="minor">
+            <a:schemeClr val="lt1"/>
+          </a:fontRef>
+        </p:style>
+      </p:cxnSp>
+      <p:cxnSp>
+        <p:nvCxnSpPr>
+          <p:cNvPr id="45" name="Прямая соединительная линия 44"/>
+          <p:cNvCxnSpPr>
+            <a:stCxn id="4" idx="4"/>
+            <a:endCxn id="6" idx="0"/>
+          </p:cNvCxnSpPr>
+          <p:nvPr/>
+        </p:nvCxnSpPr>
+        <p:spPr>
+          <a:xfrm>
+            <a:off x="5915980" y="3645024"/>
+            <a:ext cx="0" cy="1831727"/>
+          </a:xfrm>
+          <a:prstGeom prst="line">
+            <a:avLst/>
+          </a:prstGeom>
+          <a:ln/>
+        </p:spPr>
+        <p:style>
+          <a:lnRef idx="2">
+            <a:schemeClr val="accent2">
+              <a:shade val="50000"/>
+            </a:schemeClr>
+          </a:lnRef>
+          <a:fillRef idx="1">
+            <a:schemeClr val="accent2"/>
+          </a:fillRef>
+          <a:effectRef idx="0">
+            <a:schemeClr val="accent2"/>
+          </a:effectRef>
+          <a:fontRef idx="minor">
+            <a:schemeClr val="lt1"/>
+          </a:fontRef>
+        </p:style>
+      </p:cxnSp>
+      <p:sp>
+        <p:nvSpPr>
+          <p:cNvPr id="4" name="Овал 3"/>
+          <p:cNvSpPr/>
+          <p:nvPr/>
+        </p:nvSpPr>
+        <p:spPr>
+          <a:xfrm>
+            <a:off x="5663952" y="3140968"/>
+            <a:ext cx="504056" cy="504056"/>
+          </a:xfrm>
+          <a:prstGeom prst="ellipse">
+            <a:avLst/>
+          </a:prstGeom>
+        </p:spPr>
+        <p:style>
+          <a:lnRef idx="2">
+            <a:schemeClr val="accent2">
+              <a:shade val="50000"/>
+            </a:schemeClr>
+          </a:lnRef>
+          <a:fillRef idx="1">
+            <a:schemeClr val="accent2"/>
+          </a:fillRef>
+          <a:effectRef idx="0">
+            <a:schemeClr val="accent2"/>
+          </a:effectRef>
+          <a:fontRef idx="minor">
+            <a:schemeClr val="lt1"/>
+          </a:fontRef>
+        </p:style>
+        <p:txBody>
+          <a:bodyPr rtlCol="0" anchor="ctr"/>
+          <a:lstStyle/>
+          <a:p>
+            <a:pPr algn="ctr"/>
+            <a:endParaRPr lang="ru-RU"/>
+          </a:p>
+        </p:txBody>
+      </p:sp>
+      <p:sp>
+        <p:nvSpPr>
+          <p:cNvPr id="5" name="Овал 4"/>
+          <p:cNvSpPr/>
+          <p:nvPr/>
+        </p:nvSpPr>
+        <p:spPr>
+          <a:xfrm>
+            <a:off x="4655840" y="4271848"/>
+            <a:ext cx="504056" cy="504056"/>
+          </a:xfrm>
+          <a:prstGeom prst="ellipse">
+            <a:avLst/>
+          </a:prstGeom>
+        </p:spPr>
+        <p:style>
+          <a:lnRef idx="2">
+            <a:schemeClr val="accent2">
+              <a:shade val="50000"/>
+            </a:schemeClr>
+          </a:lnRef>
+          <a:fillRef idx="1">
+            <a:schemeClr val="accent2"/>
+          </a:fillRef>
+          <a:effectRef idx="0">
+            <a:schemeClr val="accent2"/>
+          </a:effectRef>
+          <a:fontRef idx="minor">
+            <a:schemeClr val="lt1"/>
+          </a:fontRef>
+        </p:style>
+        <p:txBody>
+          <a:bodyPr rtlCol="0" anchor="ctr"/>
+          <a:lstStyle/>
+          <a:p>
+            <a:pPr algn="ctr"/>
+            <a:endParaRPr lang="ru-RU"/>
+          </a:p>
+        </p:txBody>
+      </p:sp>
+      <p:sp>
+        <p:nvSpPr>
+          <p:cNvPr id="6" name="Овал 5"/>
+          <p:cNvSpPr/>
+          <p:nvPr/>
+        </p:nvSpPr>
+        <p:spPr>
+          <a:xfrm>
+            <a:off x="5663952" y="5476751"/>
+            <a:ext cx="504056" cy="504056"/>
+          </a:xfrm>
+          <a:prstGeom prst="ellipse">
+            <a:avLst/>
+          </a:prstGeom>
+        </p:spPr>
+        <p:style>
+          <a:lnRef idx="2">
+            <a:schemeClr val="accent2">
+              <a:shade val="50000"/>
+            </a:schemeClr>
+          </a:lnRef>
+          <a:fillRef idx="1">
+            <a:schemeClr val="accent2"/>
+          </a:fillRef>
+          <a:effectRef idx="0">
+            <a:schemeClr val="accent2"/>
+          </a:effectRef>
+          <a:fontRef idx="minor">
+            <a:schemeClr val="lt1"/>
+          </a:fontRef>
+        </p:style>
+        <p:txBody>
+          <a:bodyPr rtlCol="0" anchor="ctr"/>
+          <a:lstStyle/>
+          <a:p>
+            <a:pPr algn="ctr"/>
+            <a:endParaRPr lang="ru-RU"/>
+          </a:p>
+        </p:txBody>
+      </p:sp>
+      <p:sp>
+        <p:nvSpPr>
+          <p:cNvPr id="7" name="Овал 6"/>
+          <p:cNvSpPr/>
+          <p:nvPr/>
+        </p:nvSpPr>
+        <p:spPr>
+          <a:xfrm>
+            <a:off x="7032104" y="3767792"/>
+            <a:ext cx="504056" cy="504056"/>
+          </a:xfrm>
+          <a:prstGeom prst="ellipse">
+            <a:avLst/>
+          </a:prstGeom>
+        </p:spPr>
+        <p:style>
+          <a:lnRef idx="2">
+            <a:schemeClr val="accent2">
+              <a:shade val="50000"/>
+            </a:schemeClr>
+          </a:lnRef>
+          <a:fillRef idx="1">
+            <a:schemeClr val="accent2"/>
+          </a:fillRef>
+          <a:effectRef idx="0">
+            <a:schemeClr val="accent2"/>
+          </a:effectRef>
+          <a:fontRef idx="minor">
+            <a:schemeClr val="lt1"/>
+          </a:fontRef>
+        </p:style>
+        <p:txBody>
+          <a:bodyPr rtlCol="0" anchor="ctr"/>
+          <a:lstStyle/>
+          <a:p>
+            <a:pPr algn="ctr"/>
+            <a:endParaRPr lang="ru-RU"/>
+          </a:p>
+        </p:txBody>
+      </p:sp>
+      <p:sp>
+        <p:nvSpPr>
+          <p:cNvPr id="8" name="Овал 7"/>
+          <p:cNvSpPr/>
+          <p:nvPr/>
+        </p:nvSpPr>
+        <p:spPr>
+          <a:xfrm>
+            <a:off x="7032104" y="4878492"/>
+            <a:ext cx="504056" cy="504056"/>
+          </a:xfrm>
+          <a:prstGeom prst="ellipse">
+            <a:avLst/>
+          </a:prstGeom>
+        </p:spPr>
+        <p:style>
+          <a:lnRef idx="2">
+            <a:schemeClr val="accent2">
+              <a:shade val="50000"/>
+            </a:schemeClr>
+          </a:lnRef>
+          <a:fillRef idx="1">
+            <a:schemeClr val="accent2"/>
+          </a:fillRef>
+          <a:effectRef idx="0">
+            <a:schemeClr val="accent2"/>
+          </a:effectRef>
+          <a:fontRef idx="minor">
+            <a:schemeClr val="lt1"/>
+          </a:fontRef>
+        </p:style>
+        <p:txBody>
+          <a:bodyPr rtlCol="0" anchor="ctr"/>
+          <a:lstStyle/>
+          <a:p>
+            <a:pPr algn="ctr"/>
+            <a:endParaRPr lang="ru-RU"/>
+          </a:p>
+        </p:txBody>
+      </p:sp>
+      <p:cxnSp>
+        <p:nvCxnSpPr>
+          <p:cNvPr id="19" name="Прямая соединительная линия 18"/>
+          <p:cNvCxnSpPr>
+            <a:stCxn id="7" idx="2"/>
+            <a:endCxn id="5" idx="7"/>
+          </p:cNvCxnSpPr>
+          <p:nvPr/>
+        </p:nvCxnSpPr>
+        <p:spPr>
+          <a:xfrm flipH="1">
+            <a:off x="5086079" y="4019820"/>
+            <a:ext cx="1946025" cy="325845"/>
+          </a:xfrm>
+          <a:prstGeom prst="line">
+            <a:avLst/>
+          </a:prstGeom>
+          <a:ln/>
+        </p:spPr>
+        <p:style>
+          <a:lnRef idx="2">
+            <a:schemeClr val="accent2">
+              <a:shade val="50000"/>
+            </a:schemeClr>
+          </a:lnRef>
+          <a:fillRef idx="1">
+            <a:schemeClr val="accent2"/>
+          </a:fillRef>
+          <a:effectRef idx="0">
+            <a:schemeClr val="accent2"/>
+          </a:effectRef>
+          <a:fontRef idx="minor">
+            <a:schemeClr val="lt1"/>
+          </a:fontRef>
+        </p:style>
+      </p:cxnSp>
+      <p:cxnSp>
+        <p:nvCxnSpPr>
+          <p:cNvPr id="22" name="Прямая соединительная линия 21"/>
+          <p:cNvCxnSpPr>
+            <a:stCxn id="8" idx="2"/>
+            <a:endCxn id="5" idx="5"/>
+          </p:cNvCxnSpPr>
+          <p:nvPr/>
+        </p:nvCxnSpPr>
+        <p:spPr>
+          <a:xfrm flipH="1" flipV="1">
+            <a:off x="5086079" y="4702087"/>
+            <a:ext cx="1946025" cy="428433"/>
+          </a:xfrm>
+          <a:prstGeom prst="line">
+            <a:avLst/>
+          </a:prstGeom>
+          <a:ln/>
+        </p:spPr>
+        <p:style>
+          <a:lnRef idx="2">
+            <a:schemeClr val="accent2">
+              <a:shade val="50000"/>
+            </a:schemeClr>
+          </a:lnRef>
+          <a:fillRef idx="1">
+            <a:schemeClr val="accent2"/>
+          </a:fillRef>
+          <a:effectRef idx="0">
+            <a:schemeClr val="accent2"/>
+          </a:effectRef>
+          <a:fontRef idx="minor">
+            <a:schemeClr val="lt1"/>
+          </a:fontRef>
+        </p:style>
+      </p:cxnSp>
       <p:sp>
         <p:nvSpPr>
           <p:cNvPr id="49" name="Стрелка вправо 48"/>
@@ -25292,579 +25310,565 @@
           </a:p>
         </p:txBody>
       </p:sp>
-      <p:grpSp>
-        <p:nvGrpSpPr>
-          <p:cNvPr id="48" name="Группа 47"/>
-          <p:cNvGrpSpPr/>
+      <p:cxnSp>
+        <p:nvCxnSpPr>
+          <p:cNvPr id="10" name="Прямая соединительная линия 9"/>
+          <p:cNvCxnSpPr>
+            <a:stCxn id="4" idx="3"/>
+            <a:endCxn id="5" idx="0"/>
+          </p:cNvCxnSpPr>
           <p:nvPr/>
-        </p:nvGrpSpPr>
-        <p:grpSpPr>
+        </p:nvCxnSpPr>
+        <p:spPr>
+          <a:xfrm flipH="1">
+            <a:off x="4907868" y="3571207"/>
+            <a:ext cx="829901" cy="700641"/>
+          </a:xfrm>
+          <a:prstGeom prst="line">
+            <a:avLst/>
+          </a:prstGeom>
+          <a:ln/>
+        </p:spPr>
+        <p:style>
+          <a:lnRef idx="2">
+            <a:schemeClr val="accent2">
+              <a:shade val="50000"/>
+            </a:schemeClr>
+          </a:lnRef>
+          <a:fillRef idx="1">
+            <a:schemeClr val="accent2"/>
+          </a:fillRef>
+          <a:effectRef idx="0">
+            <a:schemeClr val="accent2"/>
+          </a:effectRef>
+          <a:fontRef idx="minor">
+            <a:schemeClr val="lt1"/>
+          </a:fontRef>
+        </p:style>
+      </p:cxnSp>
+      <p:cxnSp>
+        <p:nvCxnSpPr>
+          <p:cNvPr id="16" name="Прямая соединительная линия 15"/>
+          <p:cNvCxnSpPr>
+            <a:stCxn id="5" idx="4"/>
+            <a:endCxn id="6" idx="1"/>
+          </p:cNvCxnSpPr>
+          <p:nvPr/>
+        </p:nvCxnSpPr>
+        <p:spPr>
           <a:xfrm>
-            <a:off x="4655840" y="3140968"/>
-            <a:ext cx="2880320" cy="2839839"/>
-            <a:chOff x="4187788" y="3140968"/>
-            <a:chExt cx="2880320" cy="2839839"/>
+            <a:off x="4907868" y="4775904"/>
+            <a:ext cx="829901" cy="774664"/>
           </a:xfrm>
-        </p:grpSpPr>
-        <p:cxnSp>
-          <p:nvCxnSpPr>
-            <p:cNvPr id="10" name="Прямая соединительная линия 9"/>
-            <p:cNvCxnSpPr>
-              <a:stCxn id="4" idx="3"/>
-              <a:endCxn id="5" idx="0"/>
-            </p:cNvCxnSpPr>
-            <p:nvPr/>
-          </p:nvCxnSpPr>
-          <p:spPr>
-            <a:xfrm flipH="1">
-              <a:off x="4439816" y="3571207"/>
-              <a:ext cx="829901" cy="700641"/>
-            </a:xfrm>
-            <a:prstGeom prst="line">
-              <a:avLst/>
-            </a:prstGeom>
-            <a:ln/>
-          </p:spPr>
-          <p:style>
-            <a:lnRef idx="2">
-              <a:schemeClr val="accent2">
-                <a:shade val="50000"/>
-              </a:schemeClr>
-            </a:lnRef>
-            <a:fillRef idx="1">
-              <a:schemeClr val="accent2"/>
-            </a:fillRef>
-            <a:effectRef idx="0">
-              <a:schemeClr val="accent2"/>
-            </a:effectRef>
-            <a:fontRef idx="minor">
-              <a:schemeClr val="lt1"/>
-            </a:fontRef>
-          </p:style>
-        </p:cxnSp>
-        <p:cxnSp>
-          <p:nvCxnSpPr>
-            <p:cNvPr id="16" name="Прямая соединительная линия 15"/>
-            <p:cNvCxnSpPr>
-              <a:stCxn id="5" idx="4"/>
-              <a:endCxn id="6" idx="1"/>
-            </p:cNvCxnSpPr>
-            <p:nvPr/>
-          </p:nvCxnSpPr>
-          <p:spPr>
-            <a:xfrm>
-              <a:off x="4439816" y="4775904"/>
-              <a:ext cx="829901" cy="774664"/>
-            </a:xfrm>
-            <a:prstGeom prst="line">
-              <a:avLst/>
-            </a:prstGeom>
-            <a:ln/>
-          </p:spPr>
-          <p:style>
-            <a:lnRef idx="2">
-              <a:schemeClr val="accent2">
-                <a:shade val="50000"/>
-              </a:schemeClr>
-            </a:lnRef>
-            <a:fillRef idx="1">
-              <a:schemeClr val="accent2"/>
-            </a:fillRef>
-            <a:effectRef idx="0">
-              <a:schemeClr val="accent2"/>
-            </a:effectRef>
-            <a:fontRef idx="minor">
-              <a:schemeClr val="lt1"/>
-            </a:fontRef>
-          </p:style>
-        </p:cxnSp>
-        <p:cxnSp>
-          <p:nvCxnSpPr>
-            <p:cNvPr id="25" name="Прямая соединительная линия 24"/>
-            <p:cNvCxnSpPr>
-              <a:stCxn id="7" idx="1"/>
-              <a:endCxn id="4" idx="6"/>
-            </p:cNvCxnSpPr>
-            <p:nvPr/>
-          </p:nvCxnSpPr>
-          <p:spPr>
-            <a:xfrm flipH="1" flipV="1">
-              <a:off x="5699956" y="3392996"/>
-              <a:ext cx="937913" cy="448613"/>
-            </a:xfrm>
-            <a:prstGeom prst="line">
-              <a:avLst/>
-            </a:prstGeom>
-            <a:ln/>
-          </p:spPr>
-          <p:style>
-            <a:lnRef idx="2">
-              <a:schemeClr val="accent2">
-                <a:shade val="50000"/>
-              </a:schemeClr>
-            </a:lnRef>
-            <a:fillRef idx="1">
-              <a:schemeClr val="accent2"/>
-            </a:fillRef>
-            <a:effectRef idx="0">
-              <a:schemeClr val="accent2"/>
-            </a:effectRef>
-            <a:fontRef idx="minor">
-              <a:schemeClr val="lt1"/>
-            </a:fontRef>
-          </p:style>
-        </p:cxnSp>
-        <p:cxnSp>
-          <p:nvCxnSpPr>
-            <p:cNvPr id="29" name="Прямая соединительная линия 28"/>
-            <p:cNvCxnSpPr>
-              <a:stCxn id="7" idx="4"/>
-              <a:endCxn id="8" idx="0"/>
-            </p:cNvCxnSpPr>
-            <p:nvPr/>
-          </p:nvCxnSpPr>
-          <p:spPr>
-            <a:xfrm>
-              <a:off x="6816080" y="4271848"/>
-              <a:ext cx="0" cy="606644"/>
-            </a:xfrm>
-            <a:prstGeom prst="line">
-              <a:avLst/>
-            </a:prstGeom>
-            <a:ln/>
-          </p:spPr>
-          <p:style>
-            <a:lnRef idx="2">
-              <a:schemeClr val="accent2">
-                <a:shade val="50000"/>
-              </a:schemeClr>
-            </a:lnRef>
-            <a:fillRef idx="1">
-              <a:schemeClr val="accent2"/>
-            </a:fillRef>
-            <a:effectRef idx="0">
-              <a:schemeClr val="accent2"/>
-            </a:effectRef>
-            <a:fontRef idx="minor">
-              <a:schemeClr val="lt1"/>
-            </a:fontRef>
-          </p:style>
-        </p:cxnSp>
-        <p:cxnSp>
-          <p:nvCxnSpPr>
-            <p:cNvPr id="32" name="Прямая соединительная линия 31"/>
-            <p:cNvCxnSpPr>
-              <a:endCxn id="6" idx="6"/>
-            </p:cNvCxnSpPr>
-            <p:nvPr/>
-          </p:nvCxnSpPr>
-          <p:spPr>
-            <a:xfrm flipH="1">
-              <a:off x="5699956" y="5269702"/>
-              <a:ext cx="864096" cy="459077"/>
-            </a:xfrm>
-            <a:prstGeom prst="line">
-              <a:avLst/>
-            </a:prstGeom>
-            <a:ln/>
-          </p:spPr>
-          <p:style>
-            <a:lnRef idx="2">
-              <a:schemeClr val="accent2">
-                <a:shade val="50000"/>
-              </a:schemeClr>
-            </a:lnRef>
-            <a:fillRef idx="1">
-              <a:schemeClr val="accent2"/>
-            </a:fillRef>
-            <a:effectRef idx="0">
-              <a:schemeClr val="accent2"/>
-            </a:effectRef>
-            <a:fontRef idx="minor">
-              <a:schemeClr val="lt1"/>
-            </a:fontRef>
-          </p:style>
-        </p:cxnSp>
-        <p:cxnSp>
-          <p:nvCxnSpPr>
-            <p:cNvPr id="39" name="Прямая соединительная линия 38"/>
-            <p:cNvCxnSpPr>
-              <a:stCxn id="7" idx="3"/>
-              <a:endCxn id="6" idx="7"/>
-            </p:cNvCxnSpPr>
-            <p:nvPr/>
-          </p:nvCxnSpPr>
-          <p:spPr>
-            <a:xfrm flipH="1">
-              <a:off x="5626139" y="4198031"/>
-              <a:ext cx="1011730" cy="1352537"/>
-            </a:xfrm>
-            <a:prstGeom prst="line">
-              <a:avLst/>
-            </a:prstGeom>
-            <a:ln/>
-          </p:spPr>
-          <p:style>
-            <a:lnRef idx="2">
-              <a:schemeClr val="accent2">
-                <a:shade val="50000"/>
-              </a:schemeClr>
-            </a:lnRef>
-            <a:fillRef idx="1">
-              <a:schemeClr val="accent2"/>
-            </a:fillRef>
-            <a:effectRef idx="0">
-              <a:schemeClr val="accent2"/>
-            </a:effectRef>
-            <a:fontRef idx="minor">
-              <a:schemeClr val="lt1"/>
-            </a:fontRef>
-          </p:style>
-        </p:cxnSp>
-        <p:cxnSp>
-          <p:nvCxnSpPr>
-            <p:cNvPr id="42" name="Прямая соединительная линия 41"/>
-            <p:cNvCxnSpPr>
-              <a:stCxn id="4" idx="5"/>
-              <a:endCxn id="8" idx="1"/>
-            </p:cNvCxnSpPr>
-            <p:nvPr/>
-          </p:nvCxnSpPr>
-          <p:spPr>
-            <a:xfrm>
-              <a:off x="5626139" y="3571207"/>
-              <a:ext cx="1011730" cy="1381102"/>
-            </a:xfrm>
-            <a:prstGeom prst="line">
-              <a:avLst/>
-            </a:prstGeom>
-            <a:ln/>
-          </p:spPr>
-          <p:style>
-            <a:lnRef idx="2">
-              <a:schemeClr val="accent2">
-                <a:shade val="50000"/>
-              </a:schemeClr>
-            </a:lnRef>
-            <a:fillRef idx="1">
-              <a:schemeClr val="accent2"/>
-            </a:fillRef>
-            <a:effectRef idx="0">
-              <a:schemeClr val="accent2"/>
-            </a:effectRef>
-            <a:fontRef idx="minor">
-              <a:schemeClr val="lt1"/>
-            </a:fontRef>
-          </p:style>
-        </p:cxnSp>
-        <p:cxnSp>
-          <p:nvCxnSpPr>
-            <p:cNvPr id="45" name="Прямая соединительная линия 44"/>
-            <p:cNvCxnSpPr>
-              <a:stCxn id="4" idx="4"/>
-              <a:endCxn id="6" idx="0"/>
-            </p:cNvCxnSpPr>
-            <p:nvPr/>
-          </p:nvCxnSpPr>
-          <p:spPr>
-            <a:xfrm>
-              <a:off x="5447928" y="3645024"/>
-              <a:ext cx="0" cy="1831727"/>
-            </a:xfrm>
-            <a:prstGeom prst="line">
-              <a:avLst/>
-            </a:prstGeom>
-            <a:ln/>
-          </p:spPr>
-          <p:style>
-            <a:lnRef idx="2">
-              <a:schemeClr val="accent2">
-                <a:shade val="50000"/>
-              </a:schemeClr>
-            </a:lnRef>
-            <a:fillRef idx="1">
-              <a:schemeClr val="accent2"/>
-            </a:fillRef>
-            <a:effectRef idx="0">
-              <a:schemeClr val="accent2"/>
-            </a:effectRef>
-            <a:fontRef idx="minor">
-              <a:schemeClr val="lt1"/>
-            </a:fontRef>
-          </p:style>
-        </p:cxnSp>
-        <p:sp>
-          <p:nvSpPr>
-            <p:cNvPr id="4" name="Овал 3"/>
-            <p:cNvSpPr/>
-            <p:nvPr/>
-          </p:nvSpPr>
-          <p:spPr>
-            <a:xfrm>
-              <a:off x="5195900" y="3140968"/>
-              <a:ext cx="504056" cy="504056"/>
-            </a:xfrm>
-            <a:prstGeom prst="ellipse">
-              <a:avLst/>
-            </a:prstGeom>
-          </p:spPr>
-          <p:style>
-            <a:lnRef idx="2">
-              <a:schemeClr val="accent2">
-                <a:shade val="50000"/>
-              </a:schemeClr>
-            </a:lnRef>
-            <a:fillRef idx="1">
-              <a:schemeClr val="accent2"/>
-            </a:fillRef>
-            <a:effectRef idx="0">
-              <a:schemeClr val="accent2"/>
-            </a:effectRef>
-            <a:fontRef idx="minor">
-              <a:schemeClr val="lt1"/>
-            </a:fontRef>
-          </p:style>
-          <p:txBody>
-            <a:bodyPr rtlCol="0" anchor="ctr"/>
-            <a:lstStyle/>
-            <a:p>
-              <a:pPr algn="ctr"/>
-              <a:endParaRPr lang="ru-RU"/>
-            </a:p>
-          </p:txBody>
-        </p:sp>
-        <p:sp>
-          <p:nvSpPr>
-            <p:cNvPr id="5" name="Овал 4"/>
-            <p:cNvSpPr/>
-            <p:nvPr/>
-          </p:nvSpPr>
-          <p:spPr>
-            <a:xfrm>
-              <a:off x="4187788" y="4271848"/>
-              <a:ext cx="504056" cy="504056"/>
-            </a:xfrm>
-            <a:prstGeom prst="ellipse">
-              <a:avLst/>
-            </a:prstGeom>
-          </p:spPr>
-          <p:style>
-            <a:lnRef idx="2">
-              <a:schemeClr val="accent2">
-                <a:shade val="50000"/>
-              </a:schemeClr>
-            </a:lnRef>
-            <a:fillRef idx="1">
-              <a:schemeClr val="accent2"/>
-            </a:fillRef>
-            <a:effectRef idx="0">
-              <a:schemeClr val="accent2"/>
-            </a:effectRef>
-            <a:fontRef idx="minor">
-              <a:schemeClr val="lt1"/>
-            </a:fontRef>
-          </p:style>
-          <p:txBody>
-            <a:bodyPr rtlCol="0" anchor="ctr"/>
-            <a:lstStyle/>
-            <a:p>
-              <a:pPr algn="ctr"/>
-              <a:endParaRPr lang="ru-RU"/>
-            </a:p>
-          </p:txBody>
-        </p:sp>
-        <p:sp>
-          <p:nvSpPr>
-            <p:cNvPr id="6" name="Овал 5"/>
-            <p:cNvSpPr/>
-            <p:nvPr/>
-          </p:nvSpPr>
-          <p:spPr>
-            <a:xfrm>
-              <a:off x="5195900" y="5476751"/>
-              <a:ext cx="504056" cy="504056"/>
-            </a:xfrm>
-            <a:prstGeom prst="ellipse">
-              <a:avLst/>
-            </a:prstGeom>
-          </p:spPr>
-          <p:style>
-            <a:lnRef idx="2">
-              <a:schemeClr val="accent2">
-                <a:shade val="50000"/>
-              </a:schemeClr>
-            </a:lnRef>
-            <a:fillRef idx="1">
-              <a:schemeClr val="accent2"/>
-            </a:fillRef>
-            <a:effectRef idx="0">
-              <a:schemeClr val="accent2"/>
-            </a:effectRef>
-            <a:fontRef idx="minor">
-              <a:schemeClr val="lt1"/>
-            </a:fontRef>
-          </p:style>
-          <p:txBody>
-            <a:bodyPr rtlCol="0" anchor="ctr"/>
-            <a:lstStyle/>
-            <a:p>
-              <a:pPr algn="ctr"/>
-              <a:endParaRPr lang="ru-RU"/>
-            </a:p>
-          </p:txBody>
-        </p:sp>
-        <p:sp>
-          <p:nvSpPr>
-            <p:cNvPr id="7" name="Овал 6"/>
-            <p:cNvSpPr/>
-            <p:nvPr/>
-          </p:nvSpPr>
-          <p:spPr>
-            <a:xfrm>
-              <a:off x="6564052" y="3767792"/>
-              <a:ext cx="504056" cy="504056"/>
-            </a:xfrm>
-            <a:prstGeom prst="ellipse">
-              <a:avLst/>
-            </a:prstGeom>
-          </p:spPr>
-          <p:style>
-            <a:lnRef idx="2">
-              <a:schemeClr val="accent3">
-                <a:shade val="50000"/>
-              </a:schemeClr>
-            </a:lnRef>
-            <a:fillRef idx="1">
-              <a:schemeClr val="accent3"/>
-            </a:fillRef>
-            <a:effectRef idx="0">
-              <a:schemeClr val="accent3"/>
-            </a:effectRef>
-            <a:fontRef idx="minor">
-              <a:schemeClr val="lt1"/>
-            </a:fontRef>
-          </p:style>
-          <p:txBody>
-            <a:bodyPr rtlCol="0" anchor="ctr"/>
-            <a:lstStyle/>
-            <a:p>
-              <a:pPr algn="ctr"/>
-              <a:endParaRPr lang="ru-RU"/>
-            </a:p>
-          </p:txBody>
-        </p:sp>
-        <p:sp>
-          <p:nvSpPr>
-            <p:cNvPr id="8" name="Овал 7"/>
-            <p:cNvSpPr/>
-            <p:nvPr/>
-          </p:nvSpPr>
-          <p:spPr>
-            <a:xfrm>
-              <a:off x="6564052" y="4878492"/>
-              <a:ext cx="504056" cy="504056"/>
-            </a:xfrm>
-            <a:prstGeom prst="ellipse">
-              <a:avLst/>
-            </a:prstGeom>
-          </p:spPr>
-          <p:style>
-            <a:lnRef idx="2">
-              <a:schemeClr val="accent3">
-                <a:shade val="50000"/>
-              </a:schemeClr>
-            </a:lnRef>
-            <a:fillRef idx="1">
-              <a:schemeClr val="accent3"/>
-            </a:fillRef>
-            <a:effectRef idx="0">
-              <a:schemeClr val="accent3"/>
-            </a:effectRef>
-            <a:fontRef idx="minor">
-              <a:schemeClr val="lt1"/>
-            </a:fontRef>
-          </p:style>
-          <p:txBody>
-            <a:bodyPr rtlCol="0" anchor="ctr"/>
-            <a:lstStyle/>
-            <a:p>
-              <a:pPr algn="ctr"/>
-              <a:endParaRPr lang="ru-RU"/>
-            </a:p>
-          </p:txBody>
-        </p:sp>
-        <p:cxnSp>
-          <p:nvCxnSpPr>
-            <p:cNvPr id="19" name="Прямая соединительная линия 18"/>
-            <p:cNvCxnSpPr>
-              <a:stCxn id="7" idx="2"/>
-              <a:endCxn id="5" idx="7"/>
-            </p:cNvCxnSpPr>
-            <p:nvPr/>
-          </p:nvCxnSpPr>
-          <p:spPr>
-            <a:xfrm flipH="1">
-              <a:off x="4618027" y="4019820"/>
-              <a:ext cx="1946025" cy="325845"/>
-            </a:xfrm>
-            <a:prstGeom prst="line">
-              <a:avLst/>
-            </a:prstGeom>
-            <a:ln/>
-          </p:spPr>
-          <p:style>
-            <a:lnRef idx="2">
-              <a:schemeClr val="accent2">
-                <a:shade val="50000"/>
-              </a:schemeClr>
-            </a:lnRef>
-            <a:fillRef idx="1">
-              <a:schemeClr val="accent2"/>
-            </a:fillRef>
-            <a:effectRef idx="0">
-              <a:schemeClr val="accent2"/>
-            </a:effectRef>
-            <a:fontRef idx="minor">
-              <a:schemeClr val="lt1"/>
-            </a:fontRef>
-          </p:style>
-        </p:cxnSp>
-        <p:cxnSp>
-          <p:nvCxnSpPr>
-            <p:cNvPr id="22" name="Прямая соединительная линия 21"/>
-            <p:cNvCxnSpPr>
-              <a:endCxn id="5" idx="5"/>
-            </p:cNvCxnSpPr>
-            <p:nvPr/>
-          </p:nvCxnSpPr>
-          <p:spPr>
-            <a:xfrm flipH="1" flipV="1">
-              <a:off x="4618027" y="4702087"/>
-              <a:ext cx="1946027" cy="302421"/>
-            </a:xfrm>
-            <a:prstGeom prst="line">
-              <a:avLst/>
-            </a:prstGeom>
-            <a:ln/>
-          </p:spPr>
-          <p:style>
-            <a:lnRef idx="2">
-              <a:schemeClr val="accent2">
-                <a:shade val="50000"/>
-              </a:schemeClr>
-            </a:lnRef>
-            <a:fillRef idx="1">
-              <a:schemeClr val="accent2"/>
-            </a:fillRef>
-            <a:effectRef idx="0">
-              <a:schemeClr val="accent2"/>
-            </a:effectRef>
-            <a:fontRef idx="minor">
-              <a:schemeClr val="lt1"/>
-            </a:fontRef>
-          </p:style>
-        </p:cxnSp>
-      </p:grpSp>
+          <a:prstGeom prst="line">
+            <a:avLst/>
+          </a:prstGeom>
+          <a:ln/>
+        </p:spPr>
+        <p:style>
+          <a:lnRef idx="2">
+            <a:schemeClr val="accent2">
+              <a:shade val="50000"/>
+            </a:schemeClr>
+          </a:lnRef>
+          <a:fillRef idx="1">
+            <a:schemeClr val="accent2"/>
+          </a:fillRef>
+          <a:effectRef idx="0">
+            <a:schemeClr val="accent2"/>
+          </a:effectRef>
+          <a:fontRef idx="minor">
+            <a:schemeClr val="lt1"/>
+          </a:fontRef>
+        </p:style>
+      </p:cxnSp>
+      <p:cxnSp>
+        <p:nvCxnSpPr>
+          <p:cNvPr id="25" name="Прямая соединительная линия 24"/>
+          <p:cNvCxnSpPr>
+            <a:stCxn id="7" idx="1"/>
+            <a:endCxn id="4" idx="6"/>
+          </p:cNvCxnSpPr>
+          <p:nvPr/>
+        </p:nvCxnSpPr>
+        <p:spPr>
+          <a:xfrm flipH="1" flipV="1">
+            <a:off x="6168008" y="3392996"/>
+            <a:ext cx="937913" cy="448613"/>
+          </a:xfrm>
+          <a:prstGeom prst="line">
+            <a:avLst/>
+          </a:prstGeom>
+          <a:ln/>
+        </p:spPr>
+        <p:style>
+          <a:lnRef idx="2">
+            <a:schemeClr val="accent2">
+              <a:shade val="50000"/>
+            </a:schemeClr>
+          </a:lnRef>
+          <a:fillRef idx="1">
+            <a:schemeClr val="accent2"/>
+          </a:fillRef>
+          <a:effectRef idx="0">
+            <a:schemeClr val="accent2"/>
+          </a:effectRef>
+          <a:fontRef idx="minor">
+            <a:schemeClr val="lt1"/>
+          </a:fontRef>
+        </p:style>
+      </p:cxnSp>
+      <p:cxnSp>
+        <p:nvCxnSpPr>
+          <p:cNvPr id="29" name="Прямая соединительная линия 28"/>
+          <p:cNvCxnSpPr>
+            <a:stCxn id="7" idx="4"/>
+            <a:endCxn id="8" idx="0"/>
+          </p:cNvCxnSpPr>
+          <p:nvPr/>
+        </p:nvCxnSpPr>
+        <p:spPr>
+          <a:xfrm>
+            <a:off x="7284132" y="4271848"/>
+            <a:ext cx="0" cy="606644"/>
+          </a:xfrm>
+          <a:prstGeom prst="line">
+            <a:avLst/>
+          </a:prstGeom>
+          <a:ln/>
+        </p:spPr>
+        <p:style>
+          <a:lnRef idx="2">
+            <a:schemeClr val="accent2">
+              <a:shade val="50000"/>
+            </a:schemeClr>
+          </a:lnRef>
+          <a:fillRef idx="1">
+            <a:schemeClr val="accent2"/>
+          </a:fillRef>
+          <a:effectRef idx="0">
+            <a:schemeClr val="accent2"/>
+          </a:effectRef>
+          <a:fontRef idx="minor">
+            <a:schemeClr val="lt1"/>
+          </a:fontRef>
+        </p:style>
+      </p:cxnSp>
+      <p:cxnSp>
+        <p:nvCxnSpPr>
+          <p:cNvPr id="32" name="Прямая соединительная линия 31"/>
+          <p:cNvCxnSpPr>
+            <a:endCxn id="6" idx="6"/>
+          </p:cNvCxnSpPr>
+          <p:nvPr/>
+        </p:nvCxnSpPr>
+        <p:spPr>
+          <a:xfrm flipH="1">
+            <a:off x="6168008" y="5269702"/>
+            <a:ext cx="864096" cy="459077"/>
+          </a:xfrm>
+          <a:prstGeom prst="line">
+            <a:avLst/>
+          </a:prstGeom>
+          <a:ln/>
+        </p:spPr>
+        <p:style>
+          <a:lnRef idx="2">
+            <a:schemeClr val="accent2">
+              <a:shade val="50000"/>
+            </a:schemeClr>
+          </a:lnRef>
+          <a:fillRef idx="1">
+            <a:schemeClr val="accent2"/>
+          </a:fillRef>
+          <a:effectRef idx="0">
+            <a:schemeClr val="accent2"/>
+          </a:effectRef>
+          <a:fontRef idx="minor">
+            <a:schemeClr val="lt1"/>
+          </a:fontRef>
+        </p:style>
+      </p:cxnSp>
+      <p:cxnSp>
+        <p:nvCxnSpPr>
+          <p:cNvPr id="39" name="Прямая соединительная линия 38"/>
+          <p:cNvCxnSpPr>
+            <a:stCxn id="7" idx="3"/>
+            <a:endCxn id="6" idx="7"/>
+          </p:cNvCxnSpPr>
+          <p:nvPr/>
+        </p:nvCxnSpPr>
+        <p:spPr>
+          <a:xfrm flipH="1">
+            <a:off x="6094191" y="4198031"/>
+            <a:ext cx="1011730" cy="1352537"/>
+          </a:xfrm>
+          <a:prstGeom prst="line">
+            <a:avLst/>
+          </a:prstGeom>
+          <a:ln/>
+        </p:spPr>
+        <p:style>
+          <a:lnRef idx="2">
+            <a:schemeClr val="accent2">
+              <a:shade val="50000"/>
+            </a:schemeClr>
+          </a:lnRef>
+          <a:fillRef idx="1">
+            <a:schemeClr val="accent2"/>
+          </a:fillRef>
+          <a:effectRef idx="0">
+            <a:schemeClr val="accent2"/>
+          </a:effectRef>
+          <a:fontRef idx="minor">
+            <a:schemeClr val="lt1"/>
+          </a:fontRef>
+        </p:style>
+      </p:cxnSp>
+      <p:cxnSp>
+        <p:nvCxnSpPr>
+          <p:cNvPr id="42" name="Прямая соединительная линия 41"/>
+          <p:cNvCxnSpPr>
+            <a:stCxn id="4" idx="5"/>
+            <a:endCxn id="8" idx="1"/>
+          </p:cNvCxnSpPr>
+          <p:nvPr/>
+        </p:nvCxnSpPr>
+        <p:spPr>
+          <a:xfrm>
+            <a:off x="6094191" y="3571207"/>
+            <a:ext cx="1011730" cy="1381102"/>
+          </a:xfrm>
+          <a:prstGeom prst="line">
+            <a:avLst/>
+          </a:prstGeom>
+          <a:ln/>
+        </p:spPr>
+        <p:style>
+          <a:lnRef idx="2">
+            <a:schemeClr val="accent2">
+              <a:shade val="50000"/>
+            </a:schemeClr>
+          </a:lnRef>
+          <a:fillRef idx="1">
+            <a:schemeClr val="accent2"/>
+          </a:fillRef>
+          <a:effectRef idx="0">
+            <a:schemeClr val="accent2"/>
+          </a:effectRef>
+          <a:fontRef idx="minor">
+            <a:schemeClr val="lt1"/>
+          </a:fontRef>
+        </p:style>
+      </p:cxnSp>
+      <p:cxnSp>
+        <p:nvCxnSpPr>
+          <p:cNvPr id="45" name="Прямая соединительная линия 44"/>
+          <p:cNvCxnSpPr>
+            <a:stCxn id="4" idx="4"/>
+            <a:endCxn id="6" idx="0"/>
+          </p:cNvCxnSpPr>
+          <p:nvPr/>
+        </p:nvCxnSpPr>
+        <p:spPr>
+          <a:xfrm>
+            <a:off x="5915980" y="3645024"/>
+            <a:ext cx="0" cy="1831727"/>
+          </a:xfrm>
+          <a:prstGeom prst="line">
+            <a:avLst/>
+          </a:prstGeom>
+          <a:ln/>
+        </p:spPr>
+        <p:style>
+          <a:lnRef idx="2">
+            <a:schemeClr val="accent2">
+              <a:shade val="50000"/>
+            </a:schemeClr>
+          </a:lnRef>
+          <a:fillRef idx="1">
+            <a:schemeClr val="accent2"/>
+          </a:fillRef>
+          <a:effectRef idx="0">
+            <a:schemeClr val="accent2"/>
+          </a:effectRef>
+          <a:fontRef idx="minor">
+            <a:schemeClr val="lt1"/>
+          </a:fontRef>
+        </p:style>
+      </p:cxnSp>
+      <p:sp>
+        <p:nvSpPr>
+          <p:cNvPr id="4" name="Овал 3"/>
+          <p:cNvSpPr/>
+          <p:nvPr/>
+        </p:nvSpPr>
+        <p:spPr>
+          <a:xfrm>
+            <a:off x="5663952" y="3140968"/>
+            <a:ext cx="504056" cy="504056"/>
+          </a:xfrm>
+          <a:prstGeom prst="ellipse">
+            <a:avLst/>
+          </a:prstGeom>
+        </p:spPr>
+        <p:style>
+          <a:lnRef idx="2">
+            <a:schemeClr val="accent2">
+              <a:shade val="50000"/>
+            </a:schemeClr>
+          </a:lnRef>
+          <a:fillRef idx="1">
+            <a:schemeClr val="accent2"/>
+          </a:fillRef>
+          <a:effectRef idx="0">
+            <a:schemeClr val="accent2"/>
+          </a:effectRef>
+          <a:fontRef idx="minor">
+            <a:schemeClr val="lt1"/>
+          </a:fontRef>
+        </p:style>
+        <p:txBody>
+          <a:bodyPr rtlCol="0" anchor="ctr"/>
+          <a:lstStyle/>
+          <a:p>
+            <a:pPr algn="ctr"/>
+            <a:endParaRPr lang="ru-RU"/>
+          </a:p>
+        </p:txBody>
+      </p:sp>
+      <p:sp>
+        <p:nvSpPr>
+          <p:cNvPr id="5" name="Овал 4"/>
+          <p:cNvSpPr/>
+          <p:nvPr/>
+        </p:nvSpPr>
+        <p:spPr>
+          <a:xfrm>
+            <a:off x="4655840" y="4271848"/>
+            <a:ext cx="504056" cy="504056"/>
+          </a:xfrm>
+          <a:prstGeom prst="ellipse">
+            <a:avLst/>
+          </a:prstGeom>
+        </p:spPr>
+        <p:style>
+          <a:lnRef idx="2">
+            <a:schemeClr val="accent2">
+              <a:shade val="50000"/>
+            </a:schemeClr>
+          </a:lnRef>
+          <a:fillRef idx="1">
+            <a:schemeClr val="accent2"/>
+          </a:fillRef>
+          <a:effectRef idx="0">
+            <a:schemeClr val="accent2"/>
+          </a:effectRef>
+          <a:fontRef idx="minor">
+            <a:schemeClr val="lt1"/>
+          </a:fontRef>
+        </p:style>
+        <p:txBody>
+          <a:bodyPr rtlCol="0" anchor="ctr"/>
+          <a:lstStyle/>
+          <a:p>
+            <a:pPr algn="ctr"/>
+            <a:endParaRPr lang="ru-RU"/>
+          </a:p>
+        </p:txBody>
+      </p:sp>
+      <p:sp>
+        <p:nvSpPr>
+          <p:cNvPr id="6" name="Овал 5"/>
+          <p:cNvSpPr/>
+          <p:nvPr/>
+        </p:nvSpPr>
+        <p:spPr>
+          <a:xfrm>
+            <a:off x="5663952" y="5476751"/>
+            <a:ext cx="504056" cy="504056"/>
+          </a:xfrm>
+          <a:prstGeom prst="ellipse">
+            <a:avLst/>
+          </a:prstGeom>
+        </p:spPr>
+        <p:style>
+          <a:lnRef idx="2">
+            <a:schemeClr val="accent2">
+              <a:shade val="50000"/>
+            </a:schemeClr>
+          </a:lnRef>
+          <a:fillRef idx="1">
+            <a:schemeClr val="accent2"/>
+          </a:fillRef>
+          <a:effectRef idx="0">
+            <a:schemeClr val="accent2"/>
+          </a:effectRef>
+          <a:fontRef idx="minor">
+            <a:schemeClr val="lt1"/>
+          </a:fontRef>
+        </p:style>
+        <p:txBody>
+          <a:bodyPr rtlCol="0" anchor="ctr"/>
+          <a:lstStyle/>
+          <a:p>
+            <a:pPr algn="ctr"/>
+            <a:endParaRPr lang="ru-RU"/>
+          </a:p>
+        </p:txBody>
+      </p:sp>
+      <p:sp>
+        <p:nvSpPr>
+          <p:cNvPr id="7" name="Овал 6"/>
+          <p:cNvSpPr/>
+          <p:nvPr/>
+        </p:nvSpPr>
+        <p:spPr>
+          <a:xfrm>
+            <a:off x="7032104" y="3767792"/>
+            <a:ext cx="504056" cy="504056"/>
+          </a:xfrm>
+          <a:prstGeom prst="ellipse">
+            <a:avLst/>
+          </a:prstGeom>
+        </p:spPr>
+        <p:style>
+          <a:lnRef idx="2">
+            <a:schemeClr val="accent3">
+              <a:shade val="50000"/>
+            </a:schemeClr>
+          </a:lnRef>
+          <a:fillRef idx="1">
+            <a:schemeClr val="accent3"/>
+          </a:fillRef>
+          <a:effectRef idx="0">
+            <a:schemeClr val="accent3"/>
+          </a:effectRef>
+          <a:fontRef idx="minor">
+            <a:schemeClr val="lt1"/>
+          </a:fontRef>
+        </p:style>
+        <p:txBody>
+          <a:bodyPr rtlCol="0" anchor="ctr"/>
+          <a:lstStyle/>
+          <a:p>
+            <a:pPr algn="ctr"/>
+            <a:endParaRPr lang="ru-RU"/>
+          </a:p>
+        </p:txBody>
+      </p:sp>
+      <p:sp>
+        <p:nvSpPr>
+          <p:cNvPr id="8" name="Овал 7"/>
+          <p:cNvSpPr/>
+          <p:nvPr/>
+        </p:nvSpPr>
+        <p:spPr>
+          <a:xfrm>
+            <a:off x="7032104" y="4878492"/>
+            <a:ext cx="504056" cy="504056"/>
+          </a:xfrm>
+          <a:prstGeom prst="ellipse">
+            <a:avLst/>
+          </a:prstGeom>
+        </p:spPr>
+        <p:style>
+          <a:lnRef idx="2">
+            <a:schemeClr val="accent3">
+              <a:shade val="50000"/>
+            </a:schemeClr>
+          </a:lnRef>
+          <a:fillRef idx="1">
+            <a:schemeClr val="accent3"/>
+          </a:fillRef>
+          <a:effectRef idx="0">
+            <a:schemeClr val="accent3"/>
+          </a:effectRef>
+          <a:fontRef idx="minor">
+            <a:schemeClr val="lt1"/>
+          </a:fontRef>
+        </p:style>
+        <p:txBody>
+          <a:bodyPr rtlCol="0" anchor="ctr"/>
+          <a:lstStyle/>
+          <a:p>
+            <a:pPr algn="ctr"/>
+            <a:endParaRPr lang="ru-RU"/>
+          </a:p>
+        </p:txBody>
+      </p:sp>
+      <p:cxnSp>
+        <p:nvCxnSpPr>
+          <p:cNvPr id="19" name="Прямая соединительная линия 18"/>
+          <p:cNvCxnSpPr>
+            <a:stCxn id="7" idx="2"/>
+            <a:endCxn id="5" idx="7"/>
+          </p:cNvCxnSpPr>
+          <p:nvPr/>
+        </p:nvCxnSpPr>
+        <p:spPr>
+          <a:xfrm flipH="1">
+            <a:off x="5086079" y="4019820"/>
+            <a:ext cx="1946025" cy="325845"/>
+          </a:xfrm>
+          <a:prstGeom prst="line">
+            <a:avLst/>
+          </a:prstGeom>
+          <a:ln/>
+        </p:spPr>
+        <p:style>
+          <a:lnRef idx="2">
+            <a:schemeClr val="accent2">
+              <a:shade val="50000"/>
+            </a:schemeClr>
+          </a:lnRef>
+          <a:fillRef idx="1">
+            <a:schemeClr val="accent2"/>
+          </a:fillRef>
+          <a:effectRef idx="0">
+            <a:schemeClr val="accent2"/>
+          </a:effectRef>
+          <a:fontRef idx="minor">
+            <a:schemeClr val="lt1"/>
+          </a:fontRef>
+        </p:style>
+      </p:cxnSp>
+      <p:cxnSp>
+        <p:nvCxnSpPr>
+          <p:cNvPr id="22" name="Прямая соединительная линия 21"/>
+          <p:cNvCxnSpPr>
+            <a:stCxn id="8" idx="2"/>
+            <a:endCxn id="5" idx="5"/>
+          </p:cNvCxnSpPr>
+          <p:nvPr/>
+        </p:nvCxnSpPr>
+        <p:spPr>
+          <a:xfrm flipH="1" flipV="1">
+            <a:off x="5086079" y="4702087"/>
+            <a:ext cx="1946025" cy="428433"/>
+          </a:xfrm>
+          <a:prstGeom prst="line">
+            <a:avLst/>
+          </a:prstGeom>
+          <a:ln/>
+        </p:spPr>
+        <p:style>
+          <a:lnRef idx="2">
+            <a:schemeClr val="accent2">
+              <a:shade val="50000"/>
+            </a:schemeClr>
+          </a:lnRef>
+          <a:fillRef idx="1">
+            <a:schemeClr val="accent2"/>
+          </a:fillRef>
+          <a:effectRef idx="0">
+            <a:schemeClr val="accent2"/>
+          </a:effectRef>
+          <a:fontRef idx="minor">
+            <a:schemeClr val="lt1"/>
+          </a:fontRef>
+        </p:style>
+      </p:cxnSp>
     </p:spTree>
     <p:extLst>
       <p:ext uri="{BB962C8B-B14F-4D97-AF65-F5344CB8AC3E}">
@@ -36846,11 +36850,7 @@
             </a:r>
             <a:r>
               <a:rPr lang="ru-RU" dirty="0" smtClean="0"/>
-              <a:t>и </a:t>
-            </a:r>
-            <a:r>
-              <a:rPr lang="ru-RU" dirty="0" smtClean="0"/>
-              <a:t>на </a:t>
+              <a:t>и на </a:t>
             </a:r>
             <a:r>
               <a:rPr lang="en-US" dirty="0" smtClean="0"/>
@@ -40147,13 +40147,7 @@
               <a:rPr lang="en-US" sz="2400" dirty="0" smtClean="0">
                 <a:hlinkClick r:id="rId2"/>
               </a:rPr>
-              <a:t>https://</a:t>
-            </a:r>
-            <a:r>
-              <a:rPr lang="en-US" sz="2400" dirty="0" smtClean="0">
-                <a:hlinkClick r:id="rId2"/>
-              </a:rPr>
-              <a:t>github.com/kontur-web-courses/db/blob/main/README.md</a:t>
+              <a:t>https://github.com/kontur-web-courses/db/blob/main/README.md</a:t>
             </a:r>
             <a:endParaRPr lang="en-US" sz="2400" b="1" dirty="0"/>
           </a:p>
